--- a/ppt 16-9/0996.主恩不变.pptx
+++ b/ppt 16-9/0996.主恩不变.pptx
@@ -129,7 +129,7 @@
           <p:cNvPr id="2" name="标题 1">
             <a:extLst>
               <a:ext uri="{FF2B5EF4-FFF2-40B4-BE49-F238E27FC236}">
-                <a16:creationId xmlns:a16="http://schemas.microsoft.com/office/drawing/2014/main" id="{15DD15A3-4534-E528-C015-42C6F13A4FAB}"/>
+                <a16:creationId xmlns:a16="http://schemas.microsoft.com/office/drawing/2014/main" id="{2FF47D83-1861-0003-93CF-19BB3E8F7AA8}"/>
               </a:ext>
             </a:extLst>
           </p:cNvPr>
@@ -166,7 +166,7 @@
           <p:cNvPr id="3" name="副标题 2">
             <a:extLst>
               <a:ext uri="{FF2B5EF4-FFF2-40B4-BE49-F238E27FC236}">
-                <a16:creationId xmlns:a16="http://schemas.microsoft.com/office/drawing/2014/main" id="{592B7852-1747-2B06-AA52-05F5B4AF3266}"/>
+                <a16:creationId xmlns:a16="http://schemas.microsoft.com/office/drawing/2014/main" id="{A4AF1D88-5177-D472-F2E5-F3585A51A78F}"/>
               </a:ext>
             </a:extLst>
           </p:cNvPr>
@@ -236,7 +236,7 @@
           <p:cNvPr id="4" name="日期占位符 3">
             <a:extLst>
               <a:ext uri="{FF2B5EF4-FFF2-40B4-BE49-F238E27FC236}">
-                <a16:creationId xmlns:a16="http://schemas.microsoft.com/office/drawing/2014/main" id="{B863046B-CD7E-522C-7C8C-92E1F3D25BD7}"/>
+                <a16:creationId xmlns:a16="http://schemas.microsoft.com/office/drawing/2014/main" id="{B68CE59C-062A-522F-3F4F-88BCD0F96E6D}"/>
               </a:ext>
             </a:extLst>
           </p:cNvPr>
@@ -252,7 +252,7 @@
           <a:bodyPr/>
           <a:lstStyle/>
           <a:p>
-            <a:fld id="{F9943EDD-1109-4CAF-BE71-F5AA9F8BD3CB}" type="datetimeFigureOut">
+            <a:fld id="{76EB8E79-E595-4C6B-A9B2-0253D2A9F0CA}" type="datetimeFigureOut">
               <a:rPr lang="zh-CN" altLang="en-US" smtClean="0"/>
               <a:t>2024/3/10</a:t>
             </a:fld>
@@ -265,7 +265,7 @@
           <p:cNvPr id="5" name="页脚占位符 4">
             <a:extLst>
               <a:ext uri="{FF2B5EF4-FFF2-40B4-BE49-F238E27FC236}">
-                <a16:creationId xmlns:a16="http://schemas.microsoft.com/office/drawing/2014/main" id="{A034128E-F2FA-330D-1BAD-B86116D861B1}"/>
+                <a16:creationId xmlns:a16="http://schemas.microsoft.com/office/drawing/2014/main" id="{418E0F18-EB73-F688-A4C9-2DC836C97DC5}"/>
               </a:ext>
             </a:extLst>
           </p:cNvPr>
@@ -290,7 +290,7 @@
           <p:cNvPr id="6" name="灯片编号占位符 5">
             <a:extLst>
               <a:ext uri="{FF2B5EF4-FFF2-40B4-BE49-F238E27FC236}">
-                <a16:creationId xmlns:a16="http://schemas.microsoft.com/office/drawing/2014/main" id="{E94717E5-FD09-9285-D853-5A0A7A33DA6D}"/>
+                <a16:creationId xmlns:a16="http://schemas.microsoft.com/office/drawing/2014/main" id="{8020CBD8-FEB8-3ECF-8FD0-7261994B88E9}"/>
               </a:ext>
             </a:extLst>
           </p:cNvPr>
@@ -306,7 +306,7 @@
           <a:bodyPr/>
           <a:lstStyle/>
           <a:p>
-            <a:fld id="{AF537AAC-A838-41A7-9BE6-20D719CC64C9}" type="slidenum">
+            <a:fld id="{86D09754-9F15-46D8-B431-6B95CD74CBCB}" type="slidenum">
               <a:rPr lang="zh-CN" altLang="en-US" smtClean="0"/>
               <a:t>‹#›</a:t>
             </a:fld>
@@ -317,7 +317,7 @@
     </p:spTree>
     <p:extLst>
       <p:ext uri="{BB962C8B-B14F-4D97-AF65-F5344CB8AC3E}">
-        <p14:creationId xmlns:p14="http://schemas.microsoft.com/office/powerpoint/2010/main" val="555629457"/>
+        <p14:creationId xmlns:p14="http://schemas.microsoft.com/office/powerpoint/2010/main" val="93033054"/>
       </p:ext>
     </p:extLst>
   </p:cSld>
@@ -349,7 +349,7 @@
           <p:cNvPr id="2" name="标题 1">
             <a:extLst>
               <a:ext uri="{FF2B5EF4-FFF2-40B4-BE49-F238E27FC236}">
-                <a16:creationId xmlns:a16="http://schemas.microsoft.com/office/drawing/2014/main" id="{1B5571A2-B548-80D4-303E-44DFC0C6FA70}"/>
+                <a16:creationId xmlns:a16="http://schemas.microsoft.com/office/drawing/2014/main" id="{B5856B18-D2EE-D38D-17CD-D5F942A7A3CD}"/>
               </a:ext>
             </a:extLst>
           </p:cNvPr>
@@ -377,7 +377,7 @@
           <p:cNvPr id="3" name="竖排文字占位符 2">
             <a:extLst>
               <a:ext uri="{FF2B5EF4-FFF2-40B4-BE49-F238E27FC236}">
-                <a16:creationId xmlns:a16="http://schemas.microsoft.com/office/drawing/2014/main" id="{652D547A-C851-B1D5-61FD-DB462FD56689}"/>
+                <a16:creationId xmlns:a16="http://schemas.microsoft.com/office/drawing/2014/main" id="{3B7C0272-41FF-8768-A985-B21DB4F5787C}"/>
               </a:ext>
             </a:extLst>
           </p:cNvPr>
@@ -434,7 +434,7 @@
           <p:cNvPr id="4" name="日期占位符 3">
             <a:extLst>
               <a:ext uri="{FF2B5EF4-FFF2-40B4-BE49-F238E27FC236}">
-                <a16:creationId xmlns:a16="http://schemas.microsoft.com/office/drawing/2014/main" id="{A02DEF88-2288-D44B-DDCC-9F3A900359DE}"/>
+                <a16:creationId xmlns:a16="http://schemas.microsoft.com/office/drawing/2014/main" id="{7064F799-00E6-F851-0E3E-8AC506DC5B9A}"/>
               </a:ext>
             </a:extLst>
           </p:cNvPr>
@@ -450,7 +450,7 @@
           <a:bodyPr/>
           <a:lstStyle/>
           <a:p>
-            <a:fld id="{F9943EDD-1109-4CAF-BE71-F5AA9F8BD3CB}" type="datetimeFigureOut">
+            <a:fld id="{76EB8E79-E595-4C6B-A9B2-0253D2A9F0CA}" type="datetimeFigureOut">
               <a:rPr lang="zh-CN" altLang="en-US" smtClean="0"/>
               <a:t>2024/3/10</a:t>
             </a:fld>
@@ -463,7 +463,7 @@
           <p:cNvPr id="5" name="页脚占位符 4">
             <a:extLst>
               <a:ext uri="{FF2B5EF4-FFF2-40B4-BE49-F238E27FC236}">
-                <a16:creationId xmlns:a16="http://schemas.microsoft.com/office/drawing/2014/main" id="{08D537B2-0CEE-4841-3A9E-20E5B3208D35}"/>
+                <a16:creationId xmlns:a16="http://schemas.microsoft.com/office/drawing/2014/main" id="{591EA22F-B764-2570-CBB9-E81C2929DA8D}"/>
               </a:ext>
             </a:extLst>
           </p:cNvPr>
@@ -488,7 +488,7 @@
           <p:cNvPr id="6" name="灯片编号占位符 5">
             <a:extLst>
               <a:ext uri="{FF2B5EF4-FFF2-40B4-BE49-F238E27FC236}">
-                <a16:creationId xmlns:a16="http://schemas.microsoft.com/office/drawing/2014/main" id="{D14C95B5-ACB9-114D-ADB6-575B98C29910}"/>
+                <a16:creationId xmlns:a16="http://schemas.microsoft.com/office/drawing/2014/main" id="{76F27170-AC35-E568-9DD3-BE4E482E1784}"/>
               </a:ext>
             </a:extLst>
           </p:cNvPr>
@@ -504,7 +504,7 @@
           <a:bodyPr/>
           <a:lstStyle/>
           <a:p>
-            <a:fld id="{AF537AAC-A838-41A7-9BE6-20D719CC64C9}" type="slidenum">
+            <a:fld id="{86D09754-9F15-46D8-B431-6B95CD74CBCB}" type="slidenum">
               <a:rPr lang="zh-CN" altLang="en-US" smtClean="0"/>
               <a:t>‹#›</a:t>
             </a:fld>
@@ -515,7 +515,7 @@
     </p:spTree>
     <p:extLst>
       <p:ext uri="{BB962C8B-B14F-4D97-AF65-F5344CB8AC3E}">
-        <p14:creationId xmlns:p14="http://schemas.microsoft.com/office/powerpoint/2010/main" val="3973175287"/>
+        <p14:creationId xmlns:p14="http://schemas.microsoft.com/office/powerpoint/2010/main" val="3077323019"/>
       </p:ext>
     </p:extLst>
   </p:cSld>
@@ -547,7 +547,7 @@
           <p:cNvPr id="2" name="竖排标题 1">
             <a:extLst>
               <a:ext uri="{FF2B5EF4-FFF2-40B4-BE49-F238E27FC236}">
-                <a16:creationId xmlns:a16="http://schemas.microsoft.com/office/drawing/2014/main" id="{B1997F65-29A2-E2FF-F534-320E5CA4D895}"/>
+                <a16:creationId xmlns:a16="http://schemas.microsoft.com/office/drawing/2014/main" id="{FC375219-5194-3B63-78E3-B8F68975BF0A}"/>
               </a:ext>
             </a:extLst>
           </p:cNvPr>
@@ -580,7 +580,7 @@
           <p:cNvPr id="3" name="竖排文字占位符 2">
             <a:extLst>
               <a:ext uri="{FF2B5EF4-FFF2-40B4-BE49-F238E27FC236}">
-                <a16:creationId xmlns:a16="http://schemas.microsoft.com/office/drawing/2014/main" id="{F25865C1-C3C9-3A0B-EDE3-3821319EFCD2}"/>
+                <a16:creationId xmlns:a16="http://schemas.microsoft.com/office/drawing/2014/main" id="{FD0B517E-2C98-85CC-893E-850BA06C64B0}"/>
               </a:ext>
             </a:extLst>
           </p:cNvPr>
@@ -642,7 +642,7 @@
           <p:cNvPr id="4" name="日期占位符 3">
             <a:extLst>
               <a:ext uri="{FF2B5EF4-FFF2-40B4-BE49-F238E27FC236}">
-                <a16:creationId xmlns:a16="http://schemas.microsoft.com/office/drawing/2014/main" id="{3E8C973B-43D2-BBD1-721E-3CE8B10D951E}"/>
+                <a16:creationId xmlns:a16="http://schemas.microsoft.com/office/drawing/2014/main" id="{3856CFB8-A8BD-00AC-E5D3-E2752A9BFFA4}"/>
               </a:ext>
             </a:extLst>
           </p:cNvPr>
@@ -658,7 +658,7 @@
           <a:bodyPr/>
           <a:lstStyle/>
           <a:p>
-            <a:fld id="{F9943EDD-1109-4CAF-BE71-F5AA9F8BD3CB}" type="datetimeFigureOut">
+            <a:fld id="{76EB8E79-E595-4C6B-A9B2-0253D2A9F0CA}" type="datetimeFigureOut">
               <a:rPr lang="zh-CN" altLang="en-US" smtClean="0"/>
               <a:t>2024/3/10</a:t>
             </a:fld>
@@ -671,7 +671,7 @@
           <p:cNvPr id="5" name="页脚占位符 4">
             <a:extLst>
               <a:ext uri="{FF2B5EF4-FFF2-40B4-BE49-F238E27FC236}">
-                <a16:creationId xmlns:a16="http://schemas.microsoft.com/office/drawing/2014/main" id="{437EBA40-1DA4-5ED9-0378-DB99143BC318}"/>
+                <a16:creationId xmlns:a16="http://schemas.microsoft.com/office/drawing/2014/main" id="{C2D53EE7-09E0-C86F-E5FE-260DDDE98413}"/>
               </a:ext>
             </a:extLst>
           </p:cNvPr>
@@ -696,7 +696,7 @@
           <p:cNvPr id="6" name="灯片编号占位符 5">
             <a:extLst>
               <a:ext uri="{FF2B5EF4-FFF2-40B4-BE49-F238E27FC236}">
-                <a16:creationId xmlns:a16="http://schemas.microsoft.com/office/drawing/2014/main" id="{BC522614-ACDC-6EC1-C8A0-54FD26DA78B4}"/>
+                <a16:creationId xmlns:a16="http://schemas.microsoft.com/office/drawing/2014/main" id="{5160EC3B-E848-D9A1-52AE-F46672E61610}"/>
               </a:ext>
             </a:extLst>
           </p:cNvPr>
@@ -712,7 +712,7 @@
           <a:bodyPr/>
           <a:lstStyle/>
           <a:p>
-            <a:fld id="{AF537AAC-A838-41A7-9BE6-20D719CC64C9}" type="slidenum">
+            <a:fld id="{86D09754-9F15-46D8-B431-6B95CD74CBCB}" type="slidenum">
               <a:rPr lang="zh-CN" altLang="en-US" smtClean="0"/>
               <a:t>‹#›</a:t>
             </a:fld>
@@ -723,7 +723,7 @@
     </p:spTree>
     <p:extLst>
       <p:ext uri="{BB962C8B-B14F-4D97-AF65-F5344CB8AC3E}">
-        <p14:creationId xmlns:p14="http://schemas.microsoft.com/office/powerpoint/2010/main" val="824226669"/>
+        <p14:creationId xmlns:p14="http://schemas.microsoft.com/office/powerpoint/2010/main" val="1191066083"/>
       </p:ext>
     </p:extLst>
   </p:cSld>
@@ -755,7 +755,7 @@
           <p:cNvPr id="2" name="标题 1">
             <a:extLst>
               <a:ext uri="{FF2B5EF4-FFF2-40B4-BE49-F238E27FC236}">
-                <a16:creationId xmlns:a16="http://schemas.microsoft.com/office/drawing/2014/main" id="{8433CFED-BEE8-BF5B-4C13-58CCB311061F}"/>
+                <a16:creationId xmlns:a16="http://schemas.microsoft.com/office/drawing/2014/main" id="{3F55F20A-8B70-2DB2-1730-076578A89D7D}"/>
               </a:ext>
             </a:extLst>
           </p:cNvPr>
@@ -783,7 +783,7 @@
           <p:cNvPr id="3" name="内容占位符 2">
             <a:extLst>
               <a:ext uri="{FF2B5EF4-FFF2-40B4-BE49-F238E27FC236}">
-                <a16:creationId xmlns:a16="http://schemas.microsoft.com/office/drawing/2014/main" id="{703A634A-6BFB-D357-FC96-74FA239D3353}"/>
+                <a16:creationId xmlns:a16="http://schemas.microsoft.com/office/drawing/2014/main" id="{3C3186DE-CB13-A940-CBE8-821F1F841721}"/>
               </a:ext>
             </a:extLst>
           </p:cNvPr>
@@ -840,7 +840,7 @@
           <p:cNvPr id="4" name="日期占位符 3">
             <a:extLst>
               <a:ext uri="{FF2B5EF4-FFF2-40B4-BE49-F238E27FC236}">
-                <a16:creationId xmlns:a16="http://schemas.microsoft.com/office/drawing/2014/main" id="{9FC917BE-BAF9-E841-D88A-19B70E8F344F}"/>
+                <a16:creationId xmlns:a16="http://schemas.microsoft.com/office/drawing/2014/main" id="{2636F072-01CB-C1F6-6917-7EB92A1F8EB2}"/>
               </a:ext>
             </a:extLst>
           </p:cNvPr>
@@ -856,7 +856,7 @@
           <a:bodyPr/>
           <a:lstStyle/>
           <a:p>
-            <a:fld id="{F9943EDD-1109-4CAF-BE71-F5AA9F8BD3CB}" type="datetimeFigureOut">
+            <a:fld id="{76EB8E79-E595-4C6B-A9B2-0253D2A9F0CA}" type="datetimeFigureOut">
               <a:rPr lang="zh-CN" altLang="en-US" smtClean="0"/>
               <a:t>2024/3/10</a:t>
             </a:fld>
@@ -869,7 +869,7 @@
           <p:cNvPr id="5" name="页脚占位符 4">
             <a:extLst>
               <a:ext uri="{FF2B5EF4-FFF2-40B4-BE49-F238E27FC236}">
-                <a16:creationId xmlns:a16="http://schemas.microsoft.com/office/drawing/2014/main" id="{5D60A5AC-7C94-10DF-6BB8-C32C364C2954}"/>
+                <a16:creationId xmlns:a16="http://schemas.microsoft.com/office/drawing/2014/main" id="{F74C4F69-2B84-AF28-68F3-E4279398A043}"/>
               </a:ext>
             </a:extLst>
           </p:cNvPr>
@@ -894,7 +894,7 @@
           <p:cNvPr id="6" name="灯片编号占位符 5">
             <a:extLst>
               <a:ext uri="{FF2B5EF4-FFF2-40B4-BE49-F238E27FC236}">
-                <a16:creationId xmlns:a16="http://schemas.microsoft.com/office/drawing/2014/main" id="{8B6E043D-4BB1-6F5C-DD83-1393752E5632}"/>
+                <a16:creationId xmlns:a16="http://schemas.microsoft.com/office/drawing/2014/main" id="{E9322F29-B277-563B-7244-617C25E40EB3}"/>
               </a:ext>
             </a:extLst>
           </p:cNvPr>
@@ -910,7 +910,7 @@
           <a:bodyPr/>
           <a:lstStyle/>
           <a:p>
-            <a:fld id="{AF537AAC-A838-41A7-9BE6-20D719CC64C9}" type="slidenum">
+            <a:fld id="{86D09754-9F15-46D8-B431-6B95CD74CBCB}" type="slidenum">
               <a:rPr lang="zh-CN" altLang="en-US" smtClean="0"/>
               <a:t>‹#›</a:t>
             </a:fld>
@@ -921,7 +921,7 @@
     </p:spTree>
     <p:extLst>
       <p:ext uri="{BB962C8B-B14F-4D97-AF65-F5344CB8AC3E}">
-        <p14:creationId xmlns:p14="http://schemas.microsoft.com/office/powerpoint/2010/main" val="2605353782"/>
+        <p14:creationId xmlns:p14="http://schemas.microsoft.com/office/powerpoint/2010/main" val="3261110407"/>
       </p:ext>
     </p:extLst>
   </p:cSld>
@@ -953,7 +953,7 @@
           <p:cNvPr id="2" name="标题 1">
             <a:extLst>
               <a:ext uri="{FF2B5EF4-FFF2-40B4-BE49-F238E27FC236}">
-                <a16:creationId xmlns:a16="http://schemas.microsoft.com/office/drawing/2014/main" id="{3DF921CD-388F-5A00-1100-766D3F332920}"/>
+                <a16:creationId xmlns:a16="http://schemas.microsoft.com/office/drawing/2014/main" id="{631FFB0D-1566-1D39-6C61-D31EDCEDEA06}"/>
               </a:ext>
             </a:extLst>
           </p:cNvPr>
@@ -990,7 +990,7 @@
           <p:cNvPr id="3" name="文本占位符 2">
             <a:extLst>
               <a:ext uri="{FF2B5EF4-FFF2-40B4-BE49-F238E27FC236}">
-                <a16:creationId xmlns:a16="http://schemas.microsoft.com/office/drawing/2014/main" id="{9F7D1C04-D8D5-CF55-4780-BF5C1BEF0F8D}"/>
+                <a16:creationId xmlns:a16="http://schemas.microsoft.com/office/drawing/2014/main" id="{10B800FB-38BA-6293-DAFC-8DDF5A716018}"/>
               </a:ext>
             </a:extLst>
           </p:cNvPr>
@@ -1115,7 +1115,7 @@
           <p:cNvPr id="4" name="日期占位符 3">
             <a:extLst>
               <a:ext uri="{FF2B5EF4-FFF2-40B4-BE49-F238E27FC236}">
-                <a16:creationId xmlns:a16="http://schemas.microsoft.com/office/drawing/2014/main" id="{5728EE95-72BE-CB81-587D-FB1DE306A51C}"/>
+                <a16:creationId xmlns:a16="http://schemas.microsoft.com/office/drawing/2014/main" id="{E81013AC-4CEA-56C0-015E-D68614D37906}"/>
               </a:ext>
             </a:extLst>
           </p:cNvPr>
@@ -1131,7 +1131,7 @@
           <a:bodyPr/>
           <a:lstStyle/>
           <a:p>
-            <a:fld id="{F9943EDD-1109-4CAF-BE71-F5AA9F8BD3CB}" type="datetimeFigureOut">
+            <a:fld id="{76EB8E79-E595-4C6B-A9B2-0253D2A9F0CA}" type="datetimeFigureOut">
               <a:rPr lang="zh-CN" altLang="en-US" smtClean="0"/>
               <a:t>2024/3/10</a:t>
             </a:fld>
@@ -1144,7 +1144,7 @@
           <p:cNvPr id="5" name="页脚占位符 4">
             <a:extLst>
               <a:ext uri="{FF2B5EF4-FFF2-40B4-BE49-F238E27FC236}">
-                <a16:creationId xmlns:a16="http://schemas.microsoft.com/office/drawing/2014/main" id="{B03969F9-3678-7986-49E3-4DC2C6CBE540}"/>
+                <a16:creationId xmlns:a16="http://schemas.microsoft.com/office/drawing/2014/main" id="{012BCE39-27F8-B23E-F2A2-42CF376DA390}"/>
               </a:ext>
             </a:extLst>
           </p:cNvPr>
@@ -1169,7 +1169,7 @@
           <p:cNvPr id="6" name="灯片编号占位符 5">
             <a:extLst>
               <a:ext uri="{FF2B5EF4-FFF2-40B4-BE49-F238E27FC236}">
-                <a16:creationId xmlns:a16="http://schemas.microsoft.com/office/drawing/2014/main" id="{B97054F7-F9BC-C35E-7708-2FDB3E088865}"/>
+                <a16:creationId xmlns:a16="http://schemas.microsoft.com/office/drawing/2014/main" id="{9E3FD2D7-00FC-F8F0-6778-6A39033F50C6}"/>
               </a:ext>
             </a:extLst>
           </p:cNvPr>
@@ -1185,7 +1185,7 @@
           <a:bodyPr/>
           <a:lstStyle/>
           <a:p>
-            <a:fld id="{AF537AAC-A838-41A7-9BE6-20D719CC64C9}" type="slidenum">
+            <a:fld id="{86D09754-9F15-46D8-B431-6B95CD74CBCB}" type="slidenum">
               <a:rPr lang="zh-CN" altLang="en-US" smtClean="0"/>
               <a:t>‹#›</a:t>
             </a:fld>
@@ -1196,7 +1196,7 @@
     </p:spTree>
     <p:extLst>
       <p:ext uri="{BB962C8B-B14F-4D97-AF65-F5344CB8AC3E}">
-        <p14:creationId xmlns:p14="http://schemas.microsoft.com/office/powerpoint/2010/main" val="3873110417"/>
+        <p14:creationId xmlns:p14="http://schemas.microsoft.com/office/powerpoint/2010/main" val="851267886"/>
       </p:ext>
     </p:extLst>
   </p:cSld>
@@ -1228,7 +1228,7 @@
           <p:cNvPr id="2" name="标题 1">
             <a:extLst>
               <a:ext uri="{FF2B5EF4-FFF2-40B4-BE49-F238E27FC236}">
-                <a16:creationId xmlns:a16="http://schemas.microsoft.com/office/drawing/2014/main" id="{9816E4FC-5C41-1BA8-4243-2D61334D638A}"/>
+                <a16:creationId xmlns:a16="http://schemas.microsoft.com/office/drawing/2014/main" id="{1A0FF65A-BFF8-7E6F-328E-EBCFA9E3E8E0}"/>
               </a:ext>
             </a:extLst>
           </p:cNvPr>
@@ -1256,7 +1256,7 @@
           <p:cNvPr id="3" name="内容占位符 2">
             <a:extLst>
               <a:ext uri="{FF2B5EF4-FFF2-40B4-BE49-F238E27FC236}">
-                <a16:creationId xmlns:a16="http://schemas.microsoft.com/office/drawing/2014/main" id="{B2A386C3-70CE-DFD7-9B26-F9933C69E3A5}"/>
+                <a16:creationId xmlns:a16="http://schemas.microsoft.com/office/drawing/2014/main" id="{47615D61-EDB6-F568-4E43-4B2B8495E053}"/>
               </a:ext>
             </a:extLst>
           </p:cNvPr>
@@ -1318,7 +1318,7 @@
           <p:cNvPr id="4" name="内容占位符 3">
             <a:extLst>
               <a:ext uri="{FF2B5EF4-FFF2-40B4-BE49-F238E27FC236}">
-                <a16:creationId xmlns:a16="http://schemas.microsoft.com/office/drawing/2014/main" id="{285C4F61-9104-9901-09EE-172BF1C90667}"/>
+                <a16:creationId xmlns:a16="http://schemas.microsoft.com/office/drawing/2014/main" id="{7A195595-F199-EAE9-2C2B-59033FDBB4AA}"/>
               </a:ext>
             </a:extLst>
           </p:cNvPr>
@@ -1380,7 +1380,7 @@
           <p:cNvPr id="5" name="日期占位符 4">
             <a:extLst>
               <a:ext uri="{FF2B5EF4-FFF2-40B4-BE49-F238E27FC236}">
-                <a16:creationId xmlns:a16="http://schemas.microsoft.com/office/drawing/2014/main" id="{17506F1A-5E86-DD5C-EE96-7063322F1044}"/>
+                <a16:creationId xmlns:a16="http://schemas.microsoft.com/office/drawing/2014/main" id="{A562F40D-733C-DDF3-50FC-1B8AD08C570C}"/>
               </a:ext>
             </a:extLst>
           </p:cNvPr>
@@ -1396,7 +1396,7 @@
           <a:bodyPr/>
           <a:lstStyle/>
           <a:p>
-            <a:fld id="{F9943EDD-1109-4CAF-BE71-F5AA9F8BD3CB}" type="datetimeFigureOut">
+            <a:fld id="{76EB8E79-E595-4C6B-A9B2-0253D2A9F0CA}" type="datetimeFigureOut">
               <a:rPr lang="zh-CN" altLang="en-US" smtClean="0"/>
               <a:t>2024/3/10</a:t>
             </a:fld>
@@ -1409,7 +1409,7 @@
           <p:cNvPr id="6" name="页脚占位符 5">
             <a:extLst>
               <a:ext uri="{FF2B5EF4-FFF2-40B4-BE49-F238E27FC236}">
-                <a16:creationId xmlns:a16="http://schemas.microsoft.com/office/drawing/2014/main" id="{466EC391-2AB4-3F7C-E5FB-5E98E44BC989}"/>
+                <a16:creationId xmlns:a16="http://schemas.microsoft.com/office/drawing/2014/main" id="{A5A212FC-D7CC-2514-BAD5-C69ABD467560}"/>
               </a:ext>
             </a:extLst>
           </p:cNvPr>
@@ -1434,7 +1434,7 @@
           <p:cNvPr id="7" name="灯片编号占位符 6">
             <a:extLst>
               <a:ext uri="{FF2B5EF4-FFF2-40B4-BE49-F238E27FC236}">
-                <a16:creationId xmlns:a16="http://schemas.microsoft.com/office/drawing/2014/main" id="{BEF551A7-BB38-4050-AB2B-0E0B12E9FB3D}"/>
+                <a16:creationId xmlns:a16="http://schemas.microsoft.com/office/drawing/2014/main" id="{4A7081C7-4AD0-D90F-A316-E75CCFA245A1}"/>
               </a:ext>
             </a:extLst>
           </p:cNvPr>
@@ -1450,7 +1450,7 @@
           <a:bodyPr/>
           <a:lstStyle/>
           <a:p>
-            <a:fld id="{AF537AAC-A838-41A7-9BE6-20D719CC64C9}" type="slidenum">
+            <a:fld id="{86D09754-9F15-46D8-B431-6B95CD74CBCB}" type="slidenum">
               <a:rPr lang="zh-CN" altLang="en-US" smtClean="0"/>
               <a:t>‹#›</a:t>
             </a:fld>
@@ -1461,7 +1461,7 @@
     </p:spTree>
     <p:extLst>
       <p:ext uri="{BB962C8B-B14F-4D97-AF65-F5344CB8AC3E}">
-        <p14:creationId xmlns:p14="http://schemas.microsoft.com/office/powerpoint/2010/main" val="3980532545"/>
+        <p14:creationId xmlns:p14="http://schemas.microsoft.com/office/powerpoint/2010/main" val="1512366032"/>
       </p:ext>
     </p:extLst>
   </p:cSld>
@@ -1493,7 +1493,7 @@
           <p:cNvPr id="2" name="标题 1">
             <a:extLst>
               <a:ext uri="{FF2B5EF4-FFF2-40B4-BE49-F238E27FC236}">
-                <a16:creationId xmlns:a16="http://schemas.microsoft.com/office/drawing/2014/main" id="{BBA92B7F-D53F-60D7-7D07-3EFEAE26F5F1}"/>
+                <a16:creationId xmlns:a16="http://schemas.microsoft.com/office/drawing/2014/main" id="{0BBFEEBD-4DBD-3F23-1A80-E85DCF820353}"/>
               </a:ext>
             </a:extLst>
           </p:cNvPr>
@@ -1526,7 +1526,7 @@
           <p:cNvPr id="3" name="文本占位符 2">
             <a:extLst>
               <a:ext uri="{FF2B5EF4-FFF2-40B4-BE49-F238E27FC236}">
-                <a16:creationId xmlns:a16="http://schemas.microsoft.com/office/drawing/2014/main" id="{79F57886-B370-ADA4-B626-A7013ECC0D89}"/>
+                <a16:creationId xmlns:a16="http://schemas.microsoft.com/office/drawing/2014/main" id="{78A22E15-8B29-CD2D-6082-E162A2B3F8C8}"/>
               </a:ext>
             </a:extLst>
           </p:cNvPr>
@@ -1597,7 +1597,7 @@
           <p:cNvPr id="4" name="内容占位符 3">
             <a:extLst>
               <a:ext uri="{FF2B5EF4-FFF2-40B4-BE49-F238E27FC236}">
-                <a16:creationId xmlns:a16="http://schemas.microsoft.com/office/drawing/2014/main" id="{FD0CBFFB-05D0-7D91-1311-28A3F2B9096A}"/>
+                <a16:creationId xmlns:a16="http://schemas.microsoft.com/office/drawing/2014/main" id="{622E61C2-8C7D-363E-E2C6-3A41AEEEAF21}"/>
               </a:ext>
             </a:extLst>
           </p:cNvPr>
@@ -1659,7 +1659,7 @@
           <p:cNvPr id="5" name="文本占位符 4">
             <a:extLst>
               <a:ext uri="{FF2B5EF4-FFF2-40B4-BE49-F238E27FC236}">
-                <a16:creationId xmlns:a16="http://schemas.microsoft.com/office/drawing/2014/main" id="{A1000563-5F87-A5F3-0C36-848C6338EBA0}"/>
+                <a16:creationId xmlns:a16="http://schemas.microsoft.com/office/drawing/2014/main" id="{74885385-4DC2-EE4C-98CE-26F046554880}"/>
               </a:ext>
             </a:extLst>
           </p:cNvPr>
@@ -1730,7 +1730,7 @@
           <p:cNvPr id="6" name="内容占位符 5">
             <a:extLst>
               <a:ext uri="{FF2B5EF4-FFF2-40B4-BE49-F238E27FC236}">
-                <a16:creationId xmlns:a16="http://schemas.microsoft.com/office/drawing/2014/main" id="{337E5CA2-A1E7-5993-DD1D-865DF71494AA}"/>
+                <a16:creationId xmlns:a16="http://schemas.microsoft.com/office/drawing/2014/main" id="{389C83AC-E9C2-7776-AF39-79243AFC1EAD}"/>
               </a:ext>
             </a:extLst>
           </p:cNvPr>
@@ -1792,7 +1792,7 @@
           <p:cNvPr id="7" name="日期占位符 6">
             <a:extLst>
               <a:ext uri="{FF2B5EF4-FFF2-40B4-BE49-F238E27FC236}">
-                <a16:creationId xmlns:a16="http://schemas.microsoft.com/office/drawing/2014/main" id="{F4AA39F4-0F9C-2741-CCE7-527A8FE1C0F5}"/>
+                <a16:creationId xmlns:a16="http://schemas.microsoft.com/office/drawing/2014/main" id="{DD81EBFB-41CB-E5D2-21F5-1BF1FE862673}"/>
               </a:ext>
             </a:extLst>
           </p:cNvPr>
@@ -1808,7 +1808,7 @@
           <a:bodyPr/>
           <a:lstStyle/>
           <a:p>
-            <a:fld id="{F9943EDD-1109-4CAF-BE71-F5AA9F8BD3CB}" type="datetimeFigureOut">
+            <a:fld id="{76EB8E79-E595-4C6B-A9B2-0253D2A9F0CA}" type="datetimeFigureOut">
               <a:rPr lang="zh-CN" altLang="en-US" smtClean="0"/>
               <a:t>2024/3/10</a:t>
             </a:fld>
@@ -1821,7 +1821,7 @@
           <p:cNvPr id="8" name="页脚占位符 7">
             <a:extLst>
               <a:ext uri="{FF2B5EF4-FFF2-40B4-BE49-F238E27FC236}">
-                <a16:creationId xmlns:a16="http://schemas.microsoft.com/office/drawing/2014/main" id="{BFC649CC-2EF4-BA5D-078F-EB7EAAED2265}"/>
+                <a16:creationId xmlns:a16="http://schemas.microsoft.com/office/drawing/2014/main" id="{66A80736-2DAB-A667-963F-A7135CC6FFE1}"/>
               </a:ext>
             </a:extLst>
           </p:cNvPr>
@@ -1846,7 +1846,7 @@
           <p:cNvPr id="9" name="灯片编号占位符 8">
             <a:extLst>
               <a:ext uri="{FF2B5EF4-FFF2-40B4-BE49-F238E27FC236}">
-                <a16:creationId xmlns:a16="http://schemas.microsoft.com/office/drawing/2014/main" id="{9C5E7319-4D3F-7146-B79C-C29FACA6AB9A}"/>
+                <a16:creationId xmlns:a16="http://schemas.microsoft.com/office/drawing/2014/main" id="{CF7B507F-35AE-4B01-9CAF-E28C764531BA}"/>
               </a:ext>
             </a:extLst>
           </p:cNvPr>
@@ -1862,7 +1862,7 @@
           <a:bodyPr/>
           <a:lstStyle/>
           <a:p>
-            <a:fld id="{AF537AAC-A838-41A7-9BE6-20D719CC64C9}" type="slidenum">
+            <a:fld id="{86D09754-9F15-46D8-B431-6B95CD74CBCB}" type="slidenum">
               <a:rPr lang="zh-CN" altLang="en-US" smtClean="0"/>
               <a:t>‹#›</a:t>
             </a:fld>
@@ -1873,7 +1873,7 @@
     </p:spTree>
     <p:extLst>
       <p:ext uri="{BB962C8B-B14F-4D97-AF65-F5344CB8AC3E}">
-        <p14:creationId xmlns:p14="http://schemas.microsoft.com/office/powerpoint/2010/main" val="2119573741"/>
+        <p14:creationId xmlns:p14="http://schemas.microsoft.com/office/powerpoint/2010/main" val="2335271881"/>
       </p:ext>
     </p:extLst>
   </p:cSld>
@@ -1905,7 +1905,7 @@
           <p:cNvPr id="2" name="标题 1">
             <a:extLst>
               <a:ext uri="{FF2B5EF4-FFF2-40B4-BE49-F238E27FC236}">
-                <a16:creationId xmlns:a16="http://schemas.microsoft.com/office/drawing/2014/main" id="{26BD5BDB-50FF-AF9E-4557-87EB7B061A97}"/>
+                <a16:creationId xmlns:a16="http://schemas.microsoft.com/office/drawing/2014/main" id="{49A955D4-F3CC-003E-57CE-4848F4F2B699}"/>
               </a:ext>
             </a:extLst>
           </p:cNvPr>
@@ -1933,7 +1933,7 @@
           <p:cNvPr id="3" name="日期占位符 2">
             <a:extLst>
               <a:ext uri="{FF2B5EF4-FFF2-40B4-BE49-F238E27FC236}">
-                <a16:creationId xmlns:a16="http://schemas.microsoft.com/office/drawing/2014/main" id="{B62621B1-A75C-C780-0075-BFF0E4303384}"/>
+                <a16:creationId xmlns:a16="http://schemas.microsoft.com/office/drawing/2014/main" id="{2BE5E42D-3158-6CC0-B4CC-CBF85582DD03}"/>
               </a:ext>
             </a:extLst>
           </p:cNvPr>
@@ -1949,7 +1949,7 @@
           <a:bodyPr/>
           <a:lstStyle/>
           <a:p>
-            <a:fld id="{F9943EDD-1109-4CAF-BE71-F5AA9F8BD3CB}" type="datetimeFigureOut">
+            <a:fld id="{76EB8E79-E595-4C6B-A9B2-0253D2A9F0CA}" type="datetimeFigureOut">
               <a:rPr lang="zh-CN" altLang="en-US" smtClean="0"/>
               <a:t>2024/3/10</a:t>
             </a:fld>
@@ -1962,7 +1962,7 @@
           <p:cNvPr id="4" name="页脚占位符 3">
             <a:extLst>
               <a:ext uri="{FF2B5EF4-FFF2-40B4-BE49-F238E27FC236}">
-                <a16:creationId xmlns:a16="http://schemas.microsoft.com/office/drawing/2014/main" id="{C1A09D45-7A48-2290-FCE0-0D9B75536D97}"/>
+                <a16:creationId xmlns:a16="http://schemas.microsoft.com/office/drawing/2014/main" id="{2C3DB722-80BA-084A-B135-DB883F84B437}"/>
               </a:ext>
             </a:extLst>
           </p:cNvPr>
@@ -1987,7 +1987,7 @@
           <p:cNvPr id="5" name="灯片编号占位符 4">
             <a:extLst>
               <a:ext uri="{FF2B5EF4-FFF2-40B4-BE49-F238E27FC236}">
-                <a16:creationId xmlns:a16="http://schemas.microsoft.com/office/drawing/2014/main" id="{DE7750AB-46FD-F66B-792C-946FF6F4D1CE}"/>
+                <a16:creationId xmlns:a16="http://schemas.microsoft.com/office/drawing/2014/main" id="{2656F785-C5AC-D245-73B5-07B29CF66AA3}"/>
               </a:ext>
             </a:extLst>
           </p:cNvPr>
@@ -2003,7 +2003,7 @@
           <a:bodyPr/>
           <a:lstStyle/>
           <a:p>
-            <a:fld id="{AF537AAC-A838-41A7-9BE6-20D719CC64C9}" type="slidenum">
+            <a:fld id="{86D09754-9F15-46D8-B431-6B95CD74CBCB}" type="slidenum">
               <a:rPr lang="zh-CN" altLang="en-US" smtClean="0"/>
               <a:t>‹#›</a:t>
             </a:fld>
@@ -2014,7 +2014,7 @@
     </p:spTree>
     <p:extLst>
       <p:ext uri="{BB962C8B-B14F-4D97-AF65-F5344CB8AC3E}">
-        <p14:creationId xmlns:p14="http://schemas.microsoft.com/office/powerpoint/2010/main" val="231748446"/>
+        <p14:creationId xmlns:p14="http://schemas.microsoft.com/office/powerpoint/2010/main" val="185501743"/>
       </p:ext>
     </p:extLst>
   </p:cSld>
@@ -2046,7 +2046,7 @@
           <p:cNvPr id="2" name="日期占位符 1">
             <a:extLst>
               <a:ext uri="{FF2B5EF4-FFF2-40B4-BE49-F238E27FC236}">
-                <a16:creationId xmlns:a16="http://schemas.microsoft.com/office/drawing/2014/main" id="{B169504B-AEFE-6E1D-E6F6-A8A617EFF1F9}"/>
+                <a16:creationId xmlns:a16="http://schemas.microsoft.com/office/drawing/2014/main" id="{FAB3BC85-A3DD-440B-DDFA-2CCF2E4BA5F7}"/>
               </a:ext>
             </a:extLst>
           </p:cNvPr>
@@ -2062,7 +2062,7 @@
           <a:bodyPr/>
           <a:lstStyle/>
           <a:p>
-            <a:fld id="{F9943EDD-1109-4CAF-BE71-F5AA9F8BD3CB}" type="datetimeFigureOut">
+            <a:fld id="{76EB8E79-E595-4C6B-A9B2-0253D2A9F0CA}" type="datetimeFigureOut">
               <a:rPr lang="zh-CN" altLang="en-US" smtClean="0"/>
               <a:t>2024/3/10</a:t>
             </a:fld>
@@ -2075,7 +2075,7 @@
           <p:cNvPr id="3" name="页脚占位符 2">
             <a:extLst>
               <a:ext uri="{FF2B5EF4-FFF2-40B4-BE49-F238E27FC236}">
-                <a16:creationId xmlns:a16="http://schemas.microsoft.com/office/drawing/2014/main" id="{023918CA-6D42-42D0-534E-CA30520A55D3}"/>
+                <a16:creationId xmlns:a16="http://schemas.microsoft.com/office/drawing/2014/main" id="{8B768DF1-E1EC-A983-FB57-7012B549A4DC}"/>
               </a:ext>
             </a:extLst>
           </p:cNvPr>
@@ -2100,7 +2100,7 @@
           <p:cNvPr id="4" name="灯片编号占位符 3">
             <a:extLst>
               <a:ext uri="{FF2B5EF4-FFF2-40B4-BE49-F238E27FC236}">
-                <a16:creationId xmlns:a16="http://schemas.microsoft.com/office/drawing/2014/main" id="{F4B8794A-9D2E-8527-92F6-6EBD00DF2416}"/>
+                <a16:creationId xmlns:a16="http://schemas.microsoft.com/office/drawing/2014/main" id="{FADD860E-DB7F-948B-7F95-689C599B2834}"/>
               </a:ext>
             </a:extLst>
           </p:cNvPr>
@@ -2116,7 +2116,7 @@
           <a:bodyPr/>
           <a:lstStyle/>
           <a:p>
-            <a:fld id="{AF537AAC-A838-41A7-9BE6-20D719CC64C9}" type="slidenum">
+            <a:fld id="{86D09754-9F15-46D8-B431-6B95CD74CBCB}" type="slidenum">
               <a:rPr lang="zh-CN" altLang="en-US" smtClean="0"/>
               <a:t>‹#›</a:t>
             </a:fld>
@@ -2127,7 +2127,7 @@
     </p:spTree>
     <p:extLst>
       <p:ext uri="{BB962C8B-B14F-4D97-AF65-F5344CB8AC3E}">
-        <p14:creationId xmlns:p14="http://schemas.microsoft.com/office/powerpoint/2010/main" val="563828335"/>
+        <p14:creationId xmlns:p14="http://schemas.microsoft.com/office/powerpoint/2010/main" val="370436702"/>
       </p:ext>
     </p:extLst>
   </p:cSld>
@@ -2159,7 +2159,7 @@
           <p:cNvPr id="2" name="标题 1">
             <a:extLst>
               <a:ext uri="{FF2B5EF4-FFF2-40B4-BE49-F238E27FC236}">
-                <a16:creationId xmlns:a16="http://schemas.microsoft.com/office/drawing/2014/main" id="{694411F0-FBFE-9B3E-52D2-F5FA77B98C80}"/>
+                <a16:creationId xmlns:a16="http://schemas.microsoft.com/office/drawing/2014/main" id="{6A4045C5-17F6-2956-20B1-74E598843372}"/>
               </a:ext>
             </a:extLst>
           </p:cNvPr>
@@ -2196,7 +2196,7 @@
           <p:cNvPr id="3" name="内容占位符 2">
             <a:extLst>
               <a:ext uri="{FF2B5EF4-FFF2-40B4-BE49-F238E27FC236}">
-                <a16:creationId xmlns:a16="http://schemas.microsoft.com/office/drawing/2014/main" id="{930C4146-0003-106F-0D06-2D7854964803}"/>
+                <a16:creationId xmlns:a16="http://schemas.microsoft.com/office/drawing/2014/main" id="{BBE137FD-E701-CE93-6EE9-FCBCED872023}"/>
               </a:ext>
             </a:extLst>
           </p:cNvPr>
@@ -2286,7 +2286,7 @@
           <p:cNvPr id="4" name="文本占位符 3">
             <a:extLst>
               <a:ext uri="{FF2B5EF4-FFF2-40B4-BE49-F238E27FC236}">
-                <a16:creationId xmlns:a16="http://schemas.microsoft.com/office/drawing/2014/main" id="{FF7C9B61-4083-8F2A-A245-886D68BAA55F}"/>
+                <a16:creationId xmlns:a16="http://schemas.microsoft.com/office/drawing/2014/main" id="{3571D20F-DBB3-4C9A-F256-66E1CA60FEBE}"/>
               </a:ext>
             </a:extLst>
           </p:cNvPr>
@@ -2357,7 +2357,7 @@
           <p:cNvPr id="5" name="日期占位符 4">
             <a:extLst>
               <a:ext uri="{FF2B5EF4-FFF2-40B4-BE49-F238E27FC236}">
-                <a16:creationId xmlns:a16="http://schemas.microsoft.com/office/drawing/2014/main" id="{46B8A3E8-B7B1-0A21-7DB2-14C5CAC1AF61}"/>
+                <a16:creationId xmlns:a16="http://schemas.microsoft.com/office/drawing/2014/main" id="{ACB08912-77FC-020A-68E5-1C5955136DB0}"/>
               </a:ext>
             </a:extLst>
           </p:cNvPr>
@@ -2373,7 +2373,7 @@
           <a:bodyPr/>
           <a:lstStyle/>
           <a:p>
-            <a:fld id="{F9943EDD-1109-4CAF-BE71-F5AA9F8BD3CB}" type="datetimeFigureOut">
+            <a:fld id="{76EB8E79-E595-4C6B-A9B2-0253D2A9F0CA}" type="datetimeFigureOut">
               <a:rPr lang="zh-CN" altLang="en-US" smtClean="0"/>
               <a:t>2024/3/10</a:t>
             </a:fld>
@@ -2386,7 +2386,7 @@
           <p:cNvPr id="6" name="页脚占位符 5">
             <a:extLst>
               <a:ext uri="{FF2B5EF4-FFF2-40B4-BE49-F238E27FC236}">
-                <a16:creationId xmlns:a16="http://schemas.microsoft.com/office/drawing/2014/main" id="{9E2E4E5E-126C-FC92-79EC-67ED1D0E1E2F}"/>
+                <a16:creationId xmlns:a16="http://schemas.microsoft.com/office/drawing/2014/main" id="{62D5AD3C-5173-087A-32D0-9E1AEB3590B2}"/>
               </a:ext>
             </a:extLst>
           </p:cNvPr>
@@ -2411,7 +2411,7 @@
           <p:cNvPr id="7" name="灯片编号占位符 6">
             <a:extLst>
               <a:ext uri="{FF2B5EF4-FFF2-40B4-BE49-F238E27FC236}">
-                <a16:creationId xmlns:a16="http://schemas.microsoft.com/office/drawing/2014/main" id="{C6FB0880-1167-EAA1-F093-49B6139953CF}"/>
+                <a16:creationId xmlns:a16="http://schemas.microsoft.com/office/drawing/2014/main" id="{6688F7EB-E3AE-7820-A4CF-023A1C6DC542}"/>
               </a:ext>
             </a:extLst>
           </p:cNvPr>
@@ -2427,7 +2427,7 @@
           <a:bodyPr/>
           <a:lstStyle/>
           <a:p>
-            <a:fld id="{AF537AAC-A838-41A7-9BE6-20D719CC64C9}" type="slidenum">
+            <a:fld id="{86D09754-9F15-46D8-B431-6B95CD74CBCB}" type="slidenum">
               <a:rPr lang="zh-CN" altLang="en-US" smtClean="0"/>
               <a:t>‹#›</a:t>
             </a:fld>
@@ -2438,7 +2438,7 @@
     </p:spTree>
     <p:extLst>
       <p:ext uri="{BB962C8B-B14F-4D97-AF65-F5344CB8AC3E}">
-        <p14:creationId xmlns:p14="http://schemas.microsoft.com/office/powerpoint/2010/main" val="4051461976"/>
+        <p14:creationId xmlns:p14="http://schemas.microsoft.com/office/powerpoint/2010/main" val="2323615453"/>
       </p:ext>
     </p:extLst>
   </p:cSld>
@@ -2470,7 +2470,7 @@
           <p:cNvPr id="2" name="标题 1">
             <a:extLst>
               <a:ext uri="{FF2B5EF4-FFF2-40B4-BE49-F238E27FC236}">
-                <a16:creationId xmlns:a16="http://schemas.microsoft.com/office/drawing/2014/main" id="{947940E0-D628-32A0-2C40-59E4B4C24B5C}"/>
+                <a16:creationId xmlns:a16="http://schemas.microsoft.com/office/drawing/2014/main" id="{E3775DA7-D062-D7BD-8154-CD4E55998E49}"/>
               </a:ext>
             </a:extLst>
           </p:cNvPr>
@@ -2507,7 +2507,7 @@
           <p:cNvPr id="3" name="图片占位符 2">
             <a:extLst>
               <a:ext uri="{FF2B5EF4-FFF2-40B4-BE49-F238E27FC236}">
-                <a16:creationId xmlns:a16="http://schemas.microsoft.com/office/drawing/2014/main" id="{AB7B2A6D-784B-9F7F-7885-2DDE3F1F1B1D}"/>
+                <a16:creationId xmlns:a16="http://schemas.microsoft.com/office/drawing/2014/main" id="{0A806D8A-3FC3-4DB3-680D-473FBB2C86DD}"/>
               </a:ext>
             </a:extLst>
           </p:cNvPr>
@@ -2574,7 +2574,7 @@
           <p:cNvPr id="4" name="文本占位符 3">
             <a:extLst>
               <a:ext uri="{FF2B5EF4-FFF2-40B4-BE49-F238E27FC236}">
-                <a16:creationId xmlns:a16="http://schemas.microsoft.com/office/drawing/2014/main" id="{FC35D835-DA6D-8FB9-3640-2546B2859713}"/>
+                <a16:creationId xmlns:a16="http://schemas.microsoft.com/office/drawing/2014/main" id="{D749BE37-687A-0883-2E8D-6305944B20B6}"/>
               </a:ext>
             </a:extLst>
           </p:cNvPr>
@@ -2645,7 +2645,7 @@
           <p:cNvPr id="5" name="日期占位符 4">
             <a:extLst>
               <a:ext uri="{FF2B5EF4-FFF2-40B4-BE49-F238E27FC236}">
-                <a16:creationId xmlns:a16="http://schemas.microsoft.com/office/drawing/2014/main" id="{CBE50E99-7484-1B79-CB22-ADE462D8698E}"/>
+                <a16:creationId xmlns:a16="http://schemas.microsoft.com/office/drawing/2014/main" id="{4D266CCE-3AD9-3216-5BFB-9C433D5A12C7}"/>
               </a:ext>
             </a:extLst>
           </p:cNvPr>
@@ -2661,7 +2661,7 @@
           <a:bodyPr/>
           <a:lstStyle/>
           <a:p>
-            <a:fld id="{F9943EDD-1109-4CAF-BE71-F5AA9F8BD3CB}" type="datetimeFigureOut">
+            <a:fld id="{76EB8E79-E595-4C6B-A9B2-0253D2A9F0CA}" type="datetimeFigureOut">
               <a:rPr lang="zh-CN" altLang="en-US" smtClean="0"/>
               <a:t>2024/3/10</a:t>
             </a:fld>
@@ -2674,7 +2674,7 @@
           <p:cNvPr id="6" name="页脚占位符 5">
             <a:extLst>
               <a:ext uri="{FF2B5EF4-FFF2-40B4-BE49-F238E27FC236}">
-                <a16:creationId xmlns:a16="http://schemas.microsoft.com/office/drawing/2014/main" id="{BAAF6ABE-606E-CD5E-B6C8-52D7676C0136}"/>
+                <a16:creationId xmlns:a16="http://schemas.microsoft.com/office/drawing/2014/main" id="{756EB2F6-7CD6-5D01-61A3-539066D07B82}"/>
               </a:ext>
             </a:extLst>
           </p:cNvPr>
@@ -2699,7 +2699,7 @@
           <p:cNvPr id="7" name="灯片编号占位符 6">
             <a:extLst>
               <a:ext uri="{FF2B5EF4-FFF2-40B4-BE49-F238E27FC236}">
-                <a16:creationId xmlns:a16="http://schemas.microsoft.com/office/drawing/2014/main" id="{37757A6D-B42E-5B34-F5A1-D31E741ECC2F}"/>
+                <a16:creationId xmlns:a16="http://schemas.microsoft.com/office/drawing/2014/main" id="{D5D08685-6FFE-C2B1-78B2-EDD313FDE4A7}"/>
               </a:ext>
             </a:extLst>
           </p:cNvPr>
@@ -2715,7 +2715,7 @@
           <a:bodyPr/>
           <a:lstStyle/>
           <a:p>
-            <a:fld id="{AF537AAC-A838-41A7-9BE6-20D719CC64C9}" type="slidenum">
+            <a:fld id="{86D09754-9F15-46D8-B431-6B95CD74CBCB}" type="slidenum">
               <a:rPr lang="zh-CN" altLang="en-US" smtClean="0"/>
               <a:t>‹#›</a:t>
             </a:fld>
@@ -2726,7 +2726,7 @@
     </p:spTree>
     <p:extLst>
       <p:ext uri="{BB962C8B-B14F-4D97-AF65-F5344CB8AC3E}">
-        <p14:creationId xmlns:p14="http://schemas.microsoft.com/office/powerpoint/2010/main" val="561917917"/>
+        <p14:creationId xmlns:p14="http://schemas.microsoft.com/office/powerpoint/2010/main" val="2100691451"/>
       </p:ext>
     </p:extLst>
   </p:cSld>
@@ -2763,7 +2763,7 @@
           <p:cNvPr id="2" name="标题占位符 1">
             <a:extLst>
               <a:ext uri="{FF2B5EF4-FFF2-40B4-BE49-F238E27FC236}">
-                <a16:creationId xmlns:a16="http://schemas.microsoft.com/office/drawing/2014/main" id="{D8B2DA42-ADFE-FA11-0B61-92183FC9FF3E}"/>
+                <a16:creationId xmlns:a16="http://schemas.microsoft.com/office/drawing/2014/main" id="{3893AE38-0F88-F040-44CB-503E24A70EA4}"/>
               </a:ext>
             </a:extLst>
           </p:cNvPr>
@@ -2801,7 +2801,7 @@
           <p:cNvPr id="3" name="文本占位符 2">
             <a:extLst>
               <a:ext uri="{FF2B5EF4-FFF2-40B4-BE49-F238E27FC236}">
-                <a16:creationId xmlns:a16="http://schemas.microsoft.com/office/drawing/2014/main" id="{8CCDF2CC-AF03-184B-EF9D-1AB9327ADCA9}"/>
+                <a16:creationId xmlns:a16="http://schemas.microsoft.com/office/drawing/2014/main" id="{4AFF68E3-B22A-65AB-A4C0-4E6C92AE3911}"/>
               </a:ext>
             </a:extLst>
           </p:cNvPr>
@@ -2868,7 +2868,7 @@
           <p:cNvPr id="4" name="日期占位符 3">
             <a:extLst>
               <a:ext uri="{FF2B5EF4-FFF2-40B4-BE49-F238E27FC236}">
-                <a16:creationId xmlns:a16="http://schemas.microsoft.com/office/drawing/2014/main" id="{4E3C780B-CBE1-0277-6B50-F872B54F9A93}"/>
+                <a16:creationId xmlns:a16="http://schemas.microsoft.com/office/drawing/2014/main" id="{C934CC20-3C27-5E67-4F36-FD75893B9B95}"/>
               </a:ext>
             </a:extLst>
           </p:cNvPr>
@@ -2902,7 +2902,7 @@
             </a:lvl1pPr>
           </a:lstStyle>
           <a:p>
-            <a:fld id="{F9943EDD-1109-4CAF-BE71-F5AA9F8BD3CB}" type="datetimeFigureOut">
+            <a:fld id="{76EB8E79-E595-4C6B-A9B2-0253D2A9F0CA}" type="datetimeFigureOut">
               <a:rPr lang="zh-CN" altLang="en-US" smtClean="0"/>
               <a:t>2024/3/10</a:t>
             </a:fld>
@@ -2915,7 +2915,7 @@
           <p:cNvPr id="5" name="页脚占位符 4">
             <a:extLst>
               <a:ext uri="{FF2B5EF4-FFF2-40B4-BE49-F238E27FC236}">
-                <a16:creationId xmlns:a16="http://schemas.microsoft.com/office/drawing/2014/main" id="{C5E18E7C-50CE-4275-F32B-A5E24B7797D9}"/>
+                <a16:creationId xmlns:a16="http://schemas.microsoft.com/office/drawing/2014/main" id="{D48D3932-018B-694A-976B-8B01BED54147}"/>
               </a:ext>
             </a:extLst>
           </p:cNvPr>
@@ -2958,7 +2958,7 @@
           <p:cNvPr id="6" name="灯片编号占位符 5">
             <a:extLst>
               <a:ext uri="{FF2B5EF4-FFF2-40B4-BE49-F238E27FC236}">
-                <a16:creationId xmlns:a16="http://schemas.microsoft.com/office/drawing/2014/main" id="{03A0555E-B29F-73E4-7F55-F25DE7E2E5CE}"/>
+                <a16:creationId xmlns:a16="http://schemas.microsoft.com/office/drawing/2014/main" id="{4CF40B7B-2F6E-8C44-F1A2-13630541B9EB}"/>
               </a:ext>
             </a:extLst>
           </p:cNvPr>
@@ -2992,7 +2992,7 @@
             </a:lvl1pPr>
           </a:lstStyle>
           <a:p>
-            <a:fld id="{AF537AAC-A838-41A7-9BE6-20D719CC64C9}" type="slidenum">
+            <a:fld id="{86D09754-9F15-46D8-B431-6B95CD74CBCB}" type="slidenum">
               <a:rPr lang="zh-CN" altLang="en-US" smtClean="0"/>
               <a:t>‹#›</a:t>
             </a:fld>
@@ -3003,7 +3003,7 @@
     </p:spTree>
     <p:extLst>
       <p:ext uri="{BB962C8B-B14F-4D97-AF65-F5344CB8AC3E}">
-        <p14:creationId xmlns:p14="http://schemas.microsoft.com/office/powerpoint/2010/main" val="3095426208"/>
+        <p14:creationId xmlns:p14="http://schemas.microsoft.com/office/powerpoint/2010/main" val="2275800278"/>
       </p:ext>
     </p:extLst>
   </p:cSld>
